--- a/PRESENTATIONS/2024-11-wot-week/Plugfest/WoT AI Services.pptx
+++ b/PRESENTATIONS/2024-11-wot-week/Plugfest/WoT AI Services.pptx
@@ -9,6 +9,7 @@
     <p:sldId id="259" r:id="rId3"/>
     <p:sldId id="257" r:id="rId4"/>
     <p:sldId id="258" r:id="rId5"/>
+    <p:sldId id="260" r:id="rId6"/>
   </p:sldIdLst>
   <p:sldSz cx="12192000" cy="6858000"/>
   <p:notesSz cx="6858000" cy="9144000"/>
@@ -110,35 +111,35 @@
 </p:presentation>
 </file>
 
+<file path=ppt/revisionInfo.xml><?xml version="1.0" encoding="utf-8"?>
+<p1510:revInfo xmlns:a="http://schemas.openxmlformats.org/drawingml/2006/main" xmlns:r="http://schemas.openxmlformats.org/officeDocument/2006/relationships" xmlns:p1510="http://schemas.microsoft.com/office/powerpoint/2015/10/main">
+  <p1510:revLst>
+    <p1510:client id="{AD556B5D-A29D-4C70-A25A-37C2072A05E9}" v="1" dt="2024-11-28T11:21:18.324"/>
+  </p1510:revLst>
+</p1510:revInfo>
+</file>
+
 <file path=ppt/changesInfos/changesInfo1.xml><?xml version="1.0" encoding="utf-8"?>
 <pc:chgInfo xmlns:a="http://schemas.openxmlformats.org/drawingml/2006/main" xmlns:r="http://schemas.openxmlformats.org/officeDocument/2006/relationships" xmlns:ac="http://schemas.microsoft.com/office/drawing/2013/main/command" xmlns:pc="http://schemas.microsoft.com/office/powerpoint/2013/main/command">
   <pc:docChgLst>
-    <pc:chgData name="Mccool, Michael" userId="9022b910-48f5-4b36-ad75-783e2c5f7356" providerId="ADAL" clId="{89578020-A428-46DD-9D7E-C67F96B9ACE9}"/>
-    <pc:docChg chg="custSel addSld modSld">
-      <pc:chgData name="Mccool, Michael" userId="9022b910-48f5-4b36-ad75-783e2c5f7356" providerId="ADAL" clId="{89578020-A428-46DD-9D7E-C67F96B9ACE9}" dt="2024-11-28T09:41:54.851" v="481" actId="20577"/>
+    <pc:chgData name="Mccool, Michael" userId="9022b910-48f5-4b36-ad75-783e2c5f7356" providerId="ADAL" clId="{AD556B5D-A29D-4C70-A25A-37C2072A05E9}"/>
+    <pc:docChg chg="custSel modSld">
+      <pc:chgData name="Mccool, Michael" userId="9022b910-48f5-4b36-ad75-783e2c5f7356" providerId="ADAL" clId="{AD556B5D-A29D-4C70-A25A-37C2072A05E9}" dt="2024-11-28T11:21:28.428" v="49" actId="14"/>
       <pc:docMkLst>
         <pc:docMk/>
       </pc:docMkLst>
-      <pc:sldChg chg="modSp new mod">
-        <pc:chgData name="Mccool, Michael" userId="9022b910-48f5-4b36-ad75-783e2c5f7356" providerId="ADAL" clId="{89578020-A428-46DD-9D7E-C67F96B9ACE9}" dt="2024-11-28T09:41:54.851" v="481" actId="20577"/>
+      <pc:sldChg chg="modSp mod">
+        <pc:chgData name="Mccool, Michael" userId="9022b910-48f5-4b36-ad75-783e2c5f7356" providerId="ADAL" clId="{AD556B5D-A29D-4C70-A25A-37C2072A05E9}" dt="2024-11-28T11:21:28.428" v="49" actId="14"/>
         <pc:sldMkLst>
           <pc:docMk/>
-          <pc:sldMk cId="1430137202" sldId="259"/>
+          <pc:sldMk cId="150928327" sldId="258"/>
         </pc:sldMkLst>
         <pc:spChg chg="mod">
-          <ac:chgData name="Mccool, Michael" userId="9022b910-48f5-4b36-ad75-783e2c5f7356" providerId="ADAL" clId="{89578020-A428-46DD-9D7E-C67F96B9ACE9}" dt="2024-11-28T09:38:10.173" v="11" actId="20577"/>
+          <ac:chgData name="Mccool, Michael" userId="9022b910-48f5-4b36-ad75-783e2c5f7356" providerId="ADAL" clId="{AD556B5D-A29D-4C70-A25A-37C2072A05E9}" dt="2024-11-28T11:21:28.428" v="49" actId="14"/>
           <ac:spMkLst>
             <pc:docMk/>
-            <pc:sldMk cId="1430137202" sldId="259"/>
-            <ac:spMk id="2" creationId="{B1BE5D2E-4D30-BBEF-DFBC-56A4647F1E45}"/>
-          </ac:spMkLst>
-        </pc:spChg>
-        <pc:spChg chg="mod">
-          <ac:chgData name="Mccool, Michael" userId="9022b910-48f5-4b36-ad75-783e2c5f7356" providerId="ADAL" clId="{89578020-A428-46DD-9D7E-C67F96B9ACE9}" dt="2024-11-28T09:41:54.851" v="481" actId="20577"/>
-          <ac:spMkLst>
-            <pc:docMk/>
-            <pc:sldMk cId="1430137202" sldId="259"/>
-            <ac:spMk id="3" creationId="{888F8369-FE24-B84C-7CBA-574A53496492}"/>
+            <pc:sldMk cId="150928327" sldId="258"/>
+            <ac:spMk id="3" creationId="{E8B904ED-9FB0-0028-1E03-B387AA93DA55}"/>
           </ac:spMkLst>
         </pc:spChg>
       </pc:sldChg>
@@ -3405,7 +3406,7 @@
           <a:p>
             <a:r>
               <a:rPr lang="en-US" dirty="0"/>
-              <a:t>WoT AI Services</a:t>
+              <a:t>WoT AI Services and Gaps</a:t>
             </a:r>
             <a:endParaRPr lang="en-CA" dirty="0"/>
           </a:p>
@@ -3434,7 +3435,13 @@
           <a:p>
             <a:r>
               <a:rPr lang="en-US" dirty="0"/>
-              <a:t>Gaps</a:t>
+              <a:t>Michael McCool</a:t>
+            </a:r>
+          </a:p>
+          <a:p>
+            <a:r>
+              <a:rPr lang="en-US" dirty="0"/>
+              <a:t>Intel Corporation</a:t>
             </a:r>
             <a:endParaRPr lang="en-CA" dirty="0"/>
           </a:p>
@@ -3515,9 +3522,16 @@
             <p:ph idx="1"/>
           </p:nvPr>
         </p:nvSpPr>
-        <p:spPr/>
-        <p:txBody>
-          <a:bodyPr/>
+        <p:spPr>
+          <a:xfrm>
+            <a:off x="838200" y="1426128"/>
+            <a:ext cx="10515600" cy="4750835"/>
+          </a:xfrm>
+        </p:spPr>
+        <p:txBody>
+          <a:bodyPr>
+            <a:normAutofit lnSpcReduction="10000"/>
+          </a:bodyPr>
           <a:lstStyle/>
           <a:p>
             <a:r>
@@ -3533,14 +3547,26 @@
             <a:pPr lvl="1"/>
             <a:r>
               <a:rPr lang="en-US" dirty="0"/>
-              <a:t>JSON in</a:t>
+              <a:t>JSON object in</a:t>
             </a:r>
           </a:p>
           <a:p>
             <a:pPr lvl="1"/>
             <a:r>
               <a:rPr lang="en-US" dirty="0"/>
-              <a:t>JSON out (</a:t>
+              <a:t>JSON object(</a:t>
+            </a:r>
+            <a:r>
+              <a:rPr lang="en-US" b="1" dirty="0">
+                <a:solidFill>
+                  <a:srgbClr val="FF0000"/>
+                </a:solidFill>
+              </a:rPr>
+              <a:t>s</a:t>
+            </a:r>
+            <a:r>
+              <a:rPr lang="en-US" dirty="0"/>
+              <a:t>) out (</a:t>
             </a:r>
             <a:r>
               <a:rPr lang="en-US" b="1" i="1" dirty="0">
@@ -3548,21 +3574,19 @@
                   <a:srgbClr val="FF0000"/>
                 </a:solidFill>
               </a:rPr>
-              <a:t>optional streaming – </a:t>
-            </a:r>
-            <a:r>
-              <a:rPr lang="en-US" b="1" i="1">
-                <a:solidFill>
-                  <a:srgbClr val="FF0000"/>
-                </a:solidFill>
-              </a:rPr>
-              <a:t>not supported in WoT!</a:t>
-            </a:r>
-            <a:r>
-              <a:rPr lang="en-US"/>
+              <a:t>optional streaming – not supported in WoT TDs!</a:t>
+            </a:r>
+            <a:r>
+              <a:rPr lang="en-US" dirty="0"/>
               <a:t>)</a:t>
             </a:r>
-            <a:endParaRPr lang="en-US" dirty="0"/>
+          </a:p>
+          <a:p>
+            <a:pPr lvl="2"/>
+            <a:r>
+              <a:rPr lang="en-US" dirty="0"/>
+              <a:t>Fortunately streaming not essential to access functionality</a:t>
+            </a:r>
           </a:p>
           <a:p>
             <a:r>
@@ -3609,7 +3633,22 @@
                   <a:srgbClr val="FF0000"/>
                 </a:solidFill>
               </a:rPr>
-              <a:t>not supported in WoT!</a:t>
+              <a:t>not supported in WoT TDs!</a:t>
+            </a:r>
+          </a:p>
+          <a:p>
+            <a:pPr marL="0" indent="0">
+              <a:buNone/>
+            </a:pPr>
+            <a:r>
+              <a:rPr lang="en-US" dirty="0">
+                <a:hlinkClick r:id="rId2"/>
+              </a:rPr>
+              <a:t>https://github.com/w3c/wot-testing/tree/main/events/2024.11.Munich/Documentation/Intel</a:t>
+            </a:r>
+            <a:r>
+              <a:rPr lang="en-US" dirty="0"/>
+              <a:t> </a:t>
             </a:r>
           </a:p>
           <a:p>
@@ -3692,7 +3731,12 @@
             <p:ph idx="1"/>
           </p:nvPr>
         </p:nvSpPr>
-        <p:spPr/>
+        <p:spPr>
+          <a:xfrm>
+            <a:off x="838200" y="1539380"/>
+            <a:ext cx="10515600" cy="4637583"/>
+          </a:xfrm>
+        </p:spPr>
         <p:txBody>
           <a:bodyPr/>
           <a:lstStyle/>
@@ -3703,15 +3747,10 @@
             </a:r>
           </a:p>
           <a:p>
-            <a:r>
-              <a:rPr lang="en-US" dirty="0"/>
-              <a:t>Send audio/wav and text/plain (for language)</a:t>
-            </a:r>
-          </a:p>
-          <a:p>
-            <a:r>
-              <a:rPr lang="en-US" dirty="0"/>
-              <a:t>Suggested resolution here: </a:t>
+            <a:pPr lvl="1"/>
+            <a:r>
+              <a:rPr lang="en-US" dirty="0"/>
+              <a:t>Technically, “faster-whisper” service</a:t>
             </a:r>
           </a:p>
           <a:p>
@@ -3719,6 +3758,52 @@
             <a:r>
               <a:rPr lang="en-US" dirty="0">
                 <a:hlinkClick r:id="rId2"/>
+              </a:rPr>
+              <a:t>https://github.com/fedirz/faster-whisper-server</a:t>
+            </a:r>
+            <a:r>
+              <a:rPr lang="en-US" dirty="0"/>
+              <a:t> </a:t>
+            </a:r>
+          </a:p>
+          <a:p>
+            <a:r>
+              <a:rPr lang="en-US" dirty="0"/>
+              <a:t>Send audio/wav and text/plain (for language)</a:t>
+            </a:r>
+          </a:p>
+          <a:p>
+            <a:pPr lvl="1"/>
+            <a:r>
+              <a:rPr lang="en-US" dirty="0">
+                <a:hlinkClick r:id="rId3"/>
+              </a:rPr>
+              <a:t>https://github.com/w3c/wot-testing/blob/main/events/2024.11.Munich/TDs/Intel/whisper.td.jsonld</a:t>
+            </a:r>
+            <a:endParaRPr lang="en-US" dirty="0"/>
+          </a:p>
+          <a:p>
+            <a:pPr lvl="1"/>
+            <a:r>
+              <a:rPr lang="en-US" b="1" i="1" dirty="0">
+                <a:solidFill>
+                  <a:srgbClr val="FF0000"/>
+                </a:solidFill>
+              </a:rPr>
+              <a:t>Can’t fully describe API in WoT TD!</a:t>
+            </a:r>
+          </a:p>
+          <a:p>
+            <a:r>
+              <a:rPr lang="en-US" dirty="0"/>
+              <a:t>Suggested resolution here: </a:t>
+            </a:r>
+          </a:p>
+          <a:p>
+            <a:pPr lvl="1"/>
+            <a:r>
+              <a:rPr lang="en-US" dirty="0">
+                <a:hlinkClick r:id="rId4"/>
               </a:rPr>
               <a:t>https://github.com/w3c/wot-thing-description/issues/1464</a:t>
             </a:r>
@@ -3805,9 +3890,16 @@
             <p:ph idx="1"/>
           </p:nvPr>
         </p:nvSpPr>
-        <p:spPr/>
-        <p:txBody>
-          <a:bodyPr/>
+        <p:spPr>
+          <a:xfrm>
+            <a:off x="838200" y="1556158"/>
+            <a:ext cx="10515600" cy="4620805"/>
+          </a:xfrm>
+        </p:spPr>
+        <p:txBody>
+          <a:bodyPr>
+            <a:normAutofit fontScale="70000" lnSpcReduction="20000"/>
+          </a:bodyPr>
           <a:lstStyle/>
           <a:p>
             <a:r>
@@ -3834,6 +3926,13 @@
             </a:r>
           </a:p>
           <a:p>
+            <a:pPr lvl="2"/>
+            <a:r>
+              <a:rPr lang="en-US" dirty="0"/>
+              <a:t>Not technically needed, closing connection signals end, too.</a:t>
+            </a:r>
+          </a:p>
+          <a:p>
             <a:pPr lvl="1"/>
             <a:r>
               <a:rPr lang="en-US" dirty="0"/>
@@ -3841,19 +3940,114 @@
             </a:r>
           </a:p>
           <a:p>
+            <a:pPr lvl="2"/>
+            <a:r>
+              <a:rPr lang="en-US" dirty="0"/>
+              <a:t>Objects all share data schema, same as single-object schema</a:t>
+            </a:r>
+          </a:p>
+          <a:p>
             <a:pPr lvl="1"/>
             <a:r>
               <a:rPr lang="en-US" dirty="0"/>
-              <a:t>Also optional, have “stream” flag in request</a:t>
+              <a:t>Also optional, have “stream” </a:t>
+            </a:r>
+            <a:r>
+              <a:rPr lang="en-US" dirty="0" err="1"/>
+              <a:t>boolean</a:t>
+            </a:r>
+            <a:r>
+              <a:rPr lang="en-US" dirty="0"/>
+              <a:t> flag in request</a:t>
             </a:r>
           </a:p>
           <a:p>
             <a:pPr lvl="2"/>
             <a:r>
               <a:rPr lang="en-US" dirty="0"/>
-              <a:t>Means would need a variable/dependent output data schema</a:t>
+              <a:t>Variable/dependent output data schema?</a:t>
+            </a:r>
+          </a:p>
+          <a:p>
+            <a:pPr lvl="1"/>
+            <a:r>
+              <a:rPr lang="en-CA" dirty="0">
+                <a:hlinkClick r:id="rId2"/>
+              </a:rPr>
+              <a:t>https://github.com/w3c/wot-testing/blob/main/events/2024.11.Munich/TDs/Intel/ollama.td.jsonld</a:t>
             </a:r>
             <a:endParaRPr lang="en-CA" dirty="0"/>
+          </a:p>
+          <a:p>
+            <a:pPr lvl="2"/>
+            <a:r>
+              <a:rPr lang="en-CA" dirty="0"/>
+              <a:t>Models </a:t>
+            </a:r>
+            <a:r>
+              <a:rPr lang="en-CA" dirty="0">
+                <a:hlinkClick r:id="rId3"/>
+              </a:rPr>
+              <a:t>https://github.com/ollama/ollama/blob/main/docs/api.md</a:t>
+            </a:r>
+            <a:r>
+              <a:rPr lang="en-CA" dirty="0"/>
+              <a:t> </a:t>
+            </a:r>
+          </a:p>
+          <a:p>
+            <a:r>
+              <a:rPr lang="en-CA" dirty="0"/>
+              <a:t>Added comment to this issue for </a:t>
+            </a:r>
+            <a:r>
+              <a:rPr lang="en-CA" dirty="0" err="1"/>
+              <a:t>followup</a:t>
+            </a:r>
+            <a:r>
+              <a:rPr lang="en-CA" dirty="0"/>
+              <a:t>:</a:t>
+            </a:r>
+          </a:p>
+          <a:p>
+            <a:pPr lvl="1"/>
+            <a:r>
+              <a:rPr lang="en-CA" dirty="0">
+                <a:hlinkClick r:id="rId4"/>
+              </a:rPr>
+              <a:t>https://github.com/w3c/wot-thing-description/issues/1044</a:t>
+            </a:r>
+            <a:r>
+              <a:rPr lang="en-CA" dirty="0"/>
+              <a:t> </a:t>
+            </a:r>
+          </a:p>
+          <a:p>
+            <a:r>
+              <a:rPr lang="en-CA" dirty="0"/>
+              <a:t>Fortunately, we don’t really NEED to use streaming in this API…</a:t>
+            </a:r>
+          </a:p>
+          <a:p>
+            <a:r>
+              <a:rPr lang="en-CA" dirty="0"/>
+              <a:t>But might be essential in other use cases</a:t>
+            </a:r>
+          </a:p>
+          <a:p>
+            <a:pPr lvl="1"/>
+            <a:r>
+              <a:rPr lang="en-CA" dirty="0"/>
+              <a:t>Streaming sensor updates</a:t>
+            </a:r>
+          </a:p>
+          <a:p>
+            <a:pPr lvl="1"/>
+            <a:r>
+              <a:rPr lang="en-CA" dirty="0"/>
+              <a:t>Incremental TTS output for Piper TTS service (e.g. sentence-by-sentence).</a:t>
+            </a:r>
+            <a:endParaRPr lang="en-US" dirty="0"/>
           </a:p>
         </p:txBody>
       </p:sp>
@@ -3861,6 +4055,220 @@
     <p:extLst>
       <p:ext uri="{BB962C8B-B14F-4D97-AF65-F5344CB8AC3E}">
         <p14:creationId xmlns:p14="http://schemas.microsoft.com/office/powerpoint/2010/main" val="150928327"/>
+      </p:ext>
+    </p:extLst>
+  </p:cSld>
+  <p:clrMapOvr>
+    <a:masterClrMapping/>
+  </p:clrMapOvr>
+</p:sld>
+</file>
+
+<file path=ppt/slides/slide5.xml><?xml version="1.0" encoding="utf-8"?>
+<p:sld xmlns:a="http://schemas.openxmlformats.org/drawingml/2006/main" xmlns:r="http://schemas.openxmlformats.org/officeDocument/2006/relationships" xmlns:p="http://schemas.openxmlformats.org/presentationml/2006/main">
+  <p:cSld>
+    <p:spTree>
+      <p:nvGrpSpPr>
+        <p:cNvPr id="1" name=""/>
+        <p:cNvGrpSpPr/>
+        <p:nvPr/>
+      </p:nvGrpSpPr>
+      <p:grpSpPr>
+        <a:xfrm>
+          <a:off x="0" y="0"/>
+          <a:ext cx="0" cy="0"/>
+          <a:chOff x="0" y="0"/>
+          <a:chExt cx="0" cy="0"/>
+        </a:xfrm>
+      </p:grpSpPr>
+      <p:sp>
+        <p:nvSpPr>
+          <p:cNvPr id="2" name="Title 1">
+            <a:extLst>
+              <a:ext uri="{FF2B5EF4-FFF2-40B4-BE49-F238E27FC236}">
+                <a16:creationId xmlns:a16="http://schemas.microsoft.com/office/drawing/2014/main" id="{4605B97D-AA97-ED13-6BBB-483CEBFCF066}"/>
+              </a:ext>
+            </a:extLst>
+          </p:cNvPr>
+          <p:cNvSpPr>
+            <a:spLocks noGrp="1"/>
+          </p:cNvSpPr>
+          <p:nvPr>
+            <p:ph type="title"/>
+          </p:nvPr>
+        </p:nvSpPr>
+        <p:spPr/>
+        <p:txBody>
+          <a:bodyPr/>
+          <a:lstStyle/>
+          <a:p>
+            <a:r>
+              <a:rPr lang="en-US" dirty="0"/>
+              <a:t>Other Observations</a:t>
+            </a:r>
+            <a:endParaRPr lang="en-CA" dirty="0"/>
+          </a:p>
+        </p:txBody>
+      </p:sp>
+      <p:sp>
+        <p:nvSpPr>
+          <p:cNvPr id="3" name="Content Placeholder 2">
+            <a:extLst>
+              <a:ext uri="{FF2B5EF4-FFF2-40B4-BE49-F238E27FC236}">
+                <a16:creationId xmlns:a16="http://schemas.microsoft.com/office/drawing/2014/main" id="{6B565769-7EC2-54C3-508E-837C4D3EAECC}"/>
+              </a:ext>
+            </a:extLst>
+          </p:cNvPr>
+          <p:cNvSpPr>
+            <a:spLocks noGrp="1"/>
+          </p:cNvSpPr>
+          <p:nvPr>
+            <p:ph idx="1"/>
+          </p:nvPr>
+        </p:nvSpPr>
+        <p:spPr>
+          <a:xfrm>
+            <a:off x="838200" y="1442906"/>
+            <a:ext cx="10515600" cy="4734057"/>
+          </a:xfrm>
+        </p:spPr>
+        <p:txBody>
+          <a:bodyPr>
+            <a:normAutofit fontScale="92500" lnSpcReduction="10000"/>
+          </a:bodyPr>
+          <a:lstStyle/>
+          <a:p>
+            <a:r>
+              <a:rPr lang="en-US" dirty="0"/>
+              <a:t>Using </a:t>
+            </a:r>
+            <a:r>
+              <a:rPr lang="en-US" dirty="0" err="1"/>
+              <a:t>MediaStream</a:t>
+            </a:r>
+            <a:r>
+              <a:rPr lang="en-US" dirty="0"/>
+              <a:t> API in a web site </a:t>
+            </a:r>
+            <a:r>
+              <a:rPr lang="en-US" i="1" dirty="0"/>
+              <a:t>requires</a:t>
+            </a:r>
+            <a:r>
+              <a:rPr lang="en-US" dirty="0"/>
+              <a:t> https</a:t>
+            </a:r>
+          </a:p>
+          <a:p>
+            <a:pPr lvl="1"/>
+            <a:r>
+              <a:rPr lang="en-US" dirty="0"/>
+              <a:t>Access to the microphone is considered a security risk</a:t>
+            </a:r>
+          </a:p>
+          <a:p>
+            <a:pPr lvl="1"/>
+            <a:r>
+              <a:rPr lang="en-US" dirty="0"/>
+              <a:t>Option to allow it in insecure contexts in Chrome no longer works!</a:t>
+            </a:r>
+          </a:p>
+          <a:p>
+            <a:pPr lvl="1"/>
+            <a:r>
+              <a:rPr lang="en-US" dirty="0"/>
+              <a:t>I spent </a:t>
+            </a:r>
+            <a:r>
+              <a:rPr lang="en-US" i="1" dirty="0"/>
+              <a:t>way</a:t>
+            </a:r>
+            <a:r>
+              <a:rPr lang="en-US" dirty="0"/>
+              <a:t> too much time finding this out…</a:t>
+            </a:r>
+          </a:p>
+          <a:p>
+            <a:pPr lvl="2"/>
+            <a:r>
+              <a:rPr lang="en-US" dirty="0">
+                <a:hlinkClick r:id="rId2"/>
+              </a:rPr>
+              <a:t>https://mdn.github.io/dom-examples/media/web-dictaphone/</a:t>
+            </a:r>
+            <a:endParaRPr lang="en-US" dirty="0"/>
+          </a:p>
+          <a:p>
+            <a:pPr lvl="2"/>
+            <a:r>
+              <a:rPr lang="en-US" dirty="0">
+                <a:hlinkClick r:id="rId3"/>
+              </a:rPr>
+              <a:t>https://developer.mozilla.org/en-US/docs/Web/API/MediaStream</a:t>
+            </a:r>
+            <a:r>
+              <a:rPr lang="en-US" dirty="0"/>
+              <a:t> </a:t>
+            </a:r>
+          </a:p>
+          <a:p>
+            <a:r>
+              <a:rPr lang="en-US" dirty="0"/>
+              <a:t>Also experimented with Frigate</a:t>
+            </a:r>
+          </a:p>
+          <a:p>
+            <a:pPr lvl="1"/>
+            <a:r>
+              <a:rPr lang="en-US" dirty="0"/>
+              <a:t>Real-time object identification in camera streams</a:t>
+            </a:r>
+          </a:p>
+          <a:p>
+            <a:r>
+              <a:rPr lang="en-US" dirty="0"/>
+              <a:t>We still need to figure out how to use </a:t>
+            </a:r>
+          </a:p>
+          <a:p>
+            <a:pPr lvl="1"/>
+            <a:r>
+              <a:rPr lang="en-US" dirty="0" err="1"/>
+              <a:t>Websockets</a:t>
+            </a:r>
+            <a:r>
+              <a:rPr lang="en-US" dirty="0"/>
+              <a:t> (alternative to JSON object streaming, but for binary data)</a:t>
+            </a:r>
+          </a:p>
+          <a:p>
+            <a:pPr lvl="1"/>
+            <a:r>
+              <a:rPr lang="en-US" dirty="0"/>
+              <a:t>WebRTC (IP cameras and other media streams)</a:t>
+            </a:r>
+          </a:p>
+          <a:p>
+            <a:pPr lvl="1"/>
+            <a:r>
+              <a:rPr lang="en-US" dirty="0"/>
+              <a:t>RTSP (for IP cameras)</a:t>
+            </a:r>
+          </a:p>
+          <a:p>
+            <a:pPr lvl="1"/>
+            <a:r>
+              <a:rPr lang="en-US" dirty="0"/>
+              <a:t>Reusable Connections (pending feature) may help here</a:t>
+            </a:r>
+            <a:endParaRPr lang="en-CA" dirty="0"/>
+          </a:p>
+        </p:txBody>
+      </p:sp>
+    </p:spTree>
+    <p:extLst>
+      <p:ext uri="{BB962C8B-B14F-4D97-AF65-F5344CB8AC3E}">
+        <p14:creationId xmlns:p14="http://schemas.microsoft.com/office/powerpoint/2010/main" val="91101519"/>
       </p:ext>
     </p:extLst>
   </p:cSld>
